--- a/Alpha Tech Demo1.pptx
+++ b/Alpha Tech Demo1.pptx
@@ -9,13 +9,14 @@
     <p:sldId id="257" r:id="rId3"/>
     <p:sldId id="259" r:id="rId4"/>
     <p:sldId id="258" r:id="rId5"/>
-    <p:sldId id="260" r:id="rId6"/>
-    <p:sldId id="262" r:id="rId7"/>
-    <p:sldId id="266" r:id="rId8"/>
-    <p:sldId id="261" r:id="rId9"/>
-    <p:sldId id="263" r:id="rId10"/>
-    <p:sldId id="264" r:id="rId11"/>
-    <p:sldId id="265" r:id="rId12"/>
+    <p:sldId id="267" r:id="rId6"/>
+    <p:sldId id="260" r:id="rId7"/>
+    <p:sldId id="262" r:id="rId8"/>
+    <p:sldId id="266" r:id="rId9"/>
+    <p:sldId id="261" r:id="rId10"/>
+    <p:sldId id="263" r:id="rId11"/>
+    <p:sldId id="264" r:id="rId12"/>
+    <p:sldId id="265" r:id="rId13"/>
   </p:sldIdLst>
   <p:sldSz cx="9144000" cy="6858000" type="screen4x3"/>
   <p:notesSz cx="6858000" cy="9144000"/>
@@ -1247,6 +1248,13 @@
         </dgm:presLayoutVars>
       </dgm:prSet>
       <dgm:spPr/>
+      <dgm:t>
+        <a:bodyPr/>
+        <a:lstStyle/>
+        <a:p>
+          <a:endParaRPr lang="en-ZA"/>
+        </a:p>
+      </dgm:t>
     </dgm:pt>
     <dgm:pt modelId="{0F1ED43E-DF01-4866-9D0E-B4DDD3136FDB}" type="pres">
       <dgm:prSet presAssocID="{8BB4D92D-77EB-41B8-9A1D-467C91F8AB5F}" presName="centerShape" presStyleLbl="node0" presStyleIdx="0" presStyleCnt="1" custScaleX="152967" custScaleY="99321"/>
@@ -1262,10 +1270,24 @@
     <dgm:pt modelId="{15AE3DE4-FCA6-4CE2-A11C-F869C4F4F718}" type="pres">
       <dgm:prSet presAssocID="{578E506F-FEB6-4CE1-8A01-DCD86125B55E}" presName="Name9" presStyleLbl="parChTrans1D2" presStyleIdx="0" presStyleCnt="6"/>
       <dgm:spPr/>
+      <dgm:t>
+        <a:bodyPr/>
+        <a:lstStyle/>
+        <a:p>
+          <a:endParaRPr lang="en-ZA"/>
+        </a:p>
+      </dgm:t>
     </dgm:pt>
     <dgm:pt modelId="{FC13ED8D-2442-4505-A98B-8FFE2B820727}" type="pres">
       <dgm:prSet presAssocID="{578E506F-FEB6-4CE1-8A01-DCD86125B55E}" presName="connTx" presStyleLbl="parChTrans1D2" presStyleIdx="0" presStyleCnt="6"/>
       <dgm:spPr/>
+      <dgm:t>
+        <a:bodyPr/>
+        <a:lstStyle/>
+        <a:p>
+          <a:endParaRPr lang="en-ZA"/>
+        </a:p>
+      </dgm:t>
     </dgm:pt>
     <dgm:pt modelId="{0B819EBE-C208-4B0E-A406-25DFA1BD00DD}" type="pres">
       <dgm:prSet presAssocID="{3C536DCD-C87D-43BF-A80D-9DA3FC54A401}" presName="node" presStyleLbl="node1" presStyleIdx="0" presStyleCnt="6" custScaleX="120185" custScaleY="84040" custRadScaleRad="156816" custRadScaleInc="341851">
@@ -1285,10 +1307,24 @@
     <dgm:pt modelId="{93ED3874-B134-43CA-B81E-1C24D5DCED4F}" type="pres">
       <dgm:prSet presAssocID="{160FCABD-B117-4E2E-B6A1-F4188F637587}" presName="Name9" presStyleLbl="parChTrans1D2" presStyleIdx="1" presStyleCnt="6"/>
       <dgm:spPr/>
+      <dgm:t>
+        <a:bodyPr/>
+        <a:lstStyle/>
+        <a:p>
+          <a:endParaRPr lang="en-ZA"/>
+        </a:p>
+      </dgm:t>
     </dgm:pt>
     <dgm:pt modelId="{4AFACC51-8FBC-4AF1-86FE-ED6555E08303}" type="pres">
       <dgm:prSet presAssocID="{160FCABD-B117-4E2E-B6A1-F4188F637587}" presName="connTx" presStyleLbl="parChTrans1D2" presStyleIdx="1" presStyleCnt="6"/>
       <dgm:spPr/>
+      <dgm:t>
+        <a:bodyPr/>
+        <a:lstStyle/>
+        <a:p>
+          <a:endParaRPr lang="en-ZA"/>
+        </a:p>
+      </dgm:t>
     </dgm:pt>
     <dgm:pt modelId="{25DC5451-C512-48AD-A85A-29F324A4D0E5}" type="pres">
       <dgm:prSet presAssocID="{842584D1-0D13-4BFB-A6B9-1D25FB474348}" presName="node" presStyleLbl="node1" presStyleIdx="1" presStyleCnt="6" custScaleX="165582" custScaleY="102630" custRadScaleRad="99923" custRadScaleInc="-183425">
@@ -1308,10 +1344,24 @@
     <dgm:pt modelId="{AA1EC585-55EF-46F6-A090-B69AD012B4A5}" type="pres">
       <dgm:prSet presAssocID="{C39F5013-DD42-4830-B80F-4D0466B759A1}" presName="Name9" presStyleLbl="parChTrans1D2" presStyleIdx="2" presStyleCnt="6"/>
       <dgm:spPr/>
+      <dgm:t>
+        <a:bodyPr/>
+        <a:lstStyle/>
+        <a:p>
+          <a:endParaRPr lang="en-ZA"/>
+        </a:p>
+      </dgm:t>
     </dgm:pt>
     <dgm:pt modelId="{0195A749-DC86-4353-8FAC-983E1ABF299A}" type="pres">
       <dgm:prSet presAssocID="{C39F5013-DD42-4830-B80F-4D0466B759A1}" presName="connTx" presStyleLbl="parChTrans1D2" presStyleIdx="2" presStyleCnt="6"/>
       <dgm:spPr/>
+      <dgm:t>
+        <a:bodyPr/>
+        <a:lstStyle/>
+        <a:p>
+          <a:endParaRPr lang="en-ZA"/>
+        </a:p>
+      </dgm:t>
     </dgm:pt>
     <dgm:pt modelId="{2FFF3ED8-8833-417D-B6CF-D2F8FC27971D}" type="pres">
       <dgm:prSet presAssocID="{3D634177-F3C7-43CE-933F-B9239A98EBEB}" presName="node" presStyleLbl="node1" presStyleIdx="2" presStyleCnt="6" custScaleX="193346" custScaleY="101517" custRadScaleRad="164879" custRadScaleInc="-170020">
@@ -1331,10 +1381,24 @@
     <dgm:pt modelId="{807332AB-3F70-4327-A128-2559440E2296}" type="pres">
       <dgm:prSet presAssocID="{11A9E281-D3DB-43D7-900D-A8D6122AAFDD}" presName="Name9" presStyleLbl="parChTrans1D2" presStyleIdx="3" presStyleCnt="6"/>
       <dgm:spPr/>
+      <dgm:t>
+        <a:bodyPr/>
+        <a:lstStyle/>
+        <a:p>
+          <a:endParaRPr lang="en-ZA"/>
+        </a:p>
+      </dgm:t>
     </dgm:pt>
     <dgm:pt modelId="{6376CDF6-7294-44B6-BB04-37EC9B8C18A1}" type="pres">
       <dgm:prSet presAssocID="{11A9E281-D3DB-43D7-900D-A8D6122AAFDD}" presName="connTx" presStyleLbl="parChTrans1D2" presStyleIdx="3" presStyleCnt="6"/>
       <dgm:spPr/>
+      <dgm:t>
+        <a:bodyPr/>
+        <a:lstStyle/>
+        <a:p>
+          <a:endParaRPr lang="en-ZA"/>
+        </a:p>
+      </dgm:t>
     </dgm:pt>
     <dgm:pt modelId="{CF4567C7-80B1-4A76-BF3F-97A120A6911C}" type="pres">
       <dgm:prSet presAssocID="{4FEF1CFF-6CB9-4B73-9CF1-144C670ED57E}" presName="node" presStyleLbl="node1" presStyleIdx="3" presStyleCnt="6" custScaleX="148506" custScaleY="86762" custRadScaleRad="99505" custRadScaleInc="-15880">
@@ -1343,14 +1407,35 @@
         </dgm:presLayoutVars>
       </dgm:prSet>
       <dgm:spPr/>
+      <dgm:t>
+        <a:bodyPr/>
+        <a:lstStyle/>
+        <a:p>
+          <a:endParaRPr lang="en-ZA"/>
+        </a:p>
+      </dgm:t>
     </dgm:pt>
     <dgm:pt modelId="{CBE0ED02-D331-4D0E-A110-A1A4E0EC0657}" type="pres">
       <dgm:prSet presAssocID="{4C14FE05-D953-47B7-BF3D-1D4B5BF8AF92}" presName="Name9" presStyleLbl="parChTrans1D2" presStyleIdx="4" presStyleCnt="6"/>
       <dgm:spPr/>
+      <dgm:t>
+        <a:bodyPr/>
+        <a:lstStyle/>
+        <a:p>
+          <a:endParaRPr lang="en-ZA"/>
+        </a:p>
+      </dgm:t>
     </dgm:pt>
     <dgm:pt modelId="{B6087793-9611-417B-B652-827AA4794909}" type="pres">
       <dgm:prSet presAssocID="{4C14FE05-D953-47B7-BF3D-1D4B5BF8AF92}" presName="connTx" presStyleLbl="parChTrans1D2" presStyleIdx="4" presStyleCnt="6"/>
       <dgm:spPr/>
+      <dgm:t>
+        <a:bodyPr/>
+        <a:lstStyle/>
+        <a:p>
+          <a:endParaRPr lang="en-ZA"/>
+        </a:p>
+      </dgm:t>
     </dgm:pt>
     <dgm:pt modelId="{B4DE3C5E-4191-4CAA-9050-9E281A818E32}" type="pres">
       <dgm:prSet presAssocID="{EAEC1777-76DA-4D2D-BB25-EDC75B22996B}" presName="node" presStyleLbl="node1" presStyleIdx="4" presStyleCnt="6" custScaleX="168756" custScaleY="95085" custRadScaleRad="162569" custRadScaleInc="39484">
@@ -1359,14 +1444,35 @@
         </dgm:presLayoutVars>
       </dgm:prSet>
       <dgm:spPr/>
+      <dgm:t>
+        <a:bodyPr/>
+        <a:lstStyle/>
+        <a:p>
+          <a:endParaRPr lang="en-ZA"/>
+        </a:p>
+      </dgm:t>
     </dgm:pt>
     <dgm:pt modelId="{910392C8-1EA0-4A5C-B241-494125CB279B}" type="pres">
       <dgm:prSet presAssocID="{B3D039FD-0DC9-4851-8325-848F223CD666}" presName="Name9" presStyleLbl="parChTrans1D2" presStyleIdx="5" presStyleCnt="6"/>
       <dgm:spPr/>
+      <dgm:t>
+        <a:bodyPr/>
+        <a:lstStyle/>
+        <a:p>
+          <a:endParaRPr lang="en-ZA"/>
+        </a:p>
+      </dgm:t>
     </dgm:pt>
     <dgm:pt modelId="{54687605-0432-414B-AB18-D074D62FA184}" type="pres">
       <dgm:prSet presAssocID="{B3D039FD-0DC9-4851-8325-848F223CD666}" presName="connTx" presStyleLbl="parChTrans1D2" presStyleIdx="5" presStyleCnt="6"/>
       <dgm:spPr/>
+      <dgm:t>
+        <a:bodyPr/>
+        <a:lstStyle/>
+        <a:p>
+          <a:endParaRPr lang="en-ZA"/>
+        </a:p>
+      </dgm:t>
     </dgm:pt>
     <dgm:pt modelId="{D08E8931-8FC3-413E-953F-8CAE36FCBDF4}" type="pres">
       <dgm:prSet presAssocID="{5D4C952F-32AF-424C-A5AB-4D50DD043650}" presName="node" presStyleLbl="node1" presStyleIdx="5" presStyleCnt="6" custScaleX="151781" custScaleY="102483" custRadScaleRad="157534" custRadScaleInc="-11711">
@@ -1385,33 +1491,33 @@
     </dgm:pt>
   </dgm:ptLst>
   <dgm:cxnLst>
-    <dgm:cxn modelId="{4DEAA097-D9BD-467D-A0A7-E1E68B38A658}" type="presOf" srcId="{3D634177-F3C7-43CE-933F-B9239A98EBEB}" destId="{2FFF3ED8-8833-417D-B6CF-D2F8FC27971D}" srcOrd="0" destOrd="0" presId="urn:microsoft.com/office/officeart/2005/8/layout/radial1"/>
-    <dgm:cxn modelId="{3DEBEE93-A188-4F4E-B7B7-456C80A143B8}" type="presOf" srcId="{C39F5013-DD42-4830-B80F-4D0466B759A1}" destId="{0195A749-DC86-4353-8FAC-983E1ABF299A}" srcOrd="1" destOrd="0" presId="urn:microsoft.com/office/officeart/2005/8/layout/radial1"/>
+    <dgm:cxn modelId="{1A6039A1-5B8B-4827-99C3-E44A46219E75}" srcId="{8BB4D92D-77EB-41B8-9A1D-467C91F8AB5F}" destId="{3C536DCD-C87D-43BF-A80D-9DA3FC54A401}" srcOrd="0" destOrd="0" parTransId="{578E506F-FEB6-4CE1-8A01-DCD86125B55E}" sibTransId="{09065244-90FA-4080-9693-249CEBDEDE8F}"/>
     <dgm:cxn modelId="{86B89076-953A-4F49-AFD6-801129668AB1}" type="presOf" srcId="{4FEF1CFF-6CB9-4B73-9CF1-144C670ED57E}" destId="{CF4567C7-80B1-4A76-BF3F-97A120A6911C}" srcOrd="0" destOrd="0" presId="urn:microsoft.com/office/officeart/2005/8/layout/radial1"/>
+    <dgm:cxn modelId="{3F05D0F9-6AD5-45B5-80FA-AC87F0AD3A94}" srcId="{8BB4D92D-77EB-41B8-9A1D-467C91F8AB5F}" destId="{EAEC1777-76DA-4D2D-BB25-EDC75B22996B}" srcOrd="4" destOrd="0" parTransId="{4C14FE05-D953-47B7-BF3D-1D4B5BF8AF92}" sibTransId="{82BBAF60-53CE-41EF-BBF5-140623E1B315}"/>
+    <dgm:cxn modelId="{179AABEC-12CF-4E89-B786-B81C94069BE5}" type="presOf" srcId="{4C14FE05-D953-47B7-BF3D-1D4B5BF8AF92}" destId="{CBE0ED02-D331-4D0E-A110-A1A4E0EC0657}" srcOrd="0" destOrd="0" presId="urn:microsoft.com/office/officeart/2005/8/layout/radial1"/>
+    <dgm:cxn modelId="{1ECDE5A6-5246-4241-8FA2-2BAA0B1C0F3F}" type="presOf" srcId="{B3D039FD-0DC9-4851-8325-848F223CD666}" destId="{54687605-0432-414B-AB18-D074D62FA184}" srcOrd="1" destOrd="0" presId="urn:microsoft.com/office/officeart/2005/8/layout/radial1"/>
     <dgm:cxn modelId="{AA6C0D86-6D6C-4D88-AC8B-A2DD395C4BF4}" type="presOf" srcId="{842584D1-0D13-4BFB-A6B9-1D25FB474348}" destId="{25DC5451-C512-48AD-A85A-29F324A4D0E5}" srcOrd="0" destOrd="0" presId="urn:microsoft.com/office/officeart/2005/8/layout/radial1"/>
+    <dgm:cxn modelId="{0B3C9999-F810-4E9C-A306-D9DFB13673A7}" type="presOf" srcId="{578E506F-FEB6-4CE1-8A01-DCD86125B55E}" destId="{15AE3DE4-FCA6-4CE2-A11C-F869C4F4F718}" srcOrd="0" destOrd="0" presId="urn:microsoft.com/office/officeart/2005/8/layout/radial1"/>
+    <dgm:cxn modelId="{4190BFB1-81C8-40C6-A377-E79AE76FD2CB}" srcId="{8BB4D92D-77EB-41B8-9A1D-467C91F8AB5F}" destId="{4FEF1CFF-6CB9-4B73-9CF1-144C670ED57E}" srcOrd="3" destOrd="0" parTransId="{11A9E281-D3DB-43D7-900D-A8D6122AAFDD}" sibTransId="{A13245B8-BDD2-49BA-A7AA-293843F6B2AB}"/>
+    <dgm:cxn modelId="{B3312DC7-D5F6-4063-8D4A-3E9D6F7E26E7}" type="presOf" srcId="{11A9E281-D3DB-43D7-900D-A8D6122AAFDD}" destId="{807332AB-3F70-4327-A128-2559440E2296}" srcOrd="0" destOrd="0" presId="urn:microsoft.com/office/officeart/2005/8/layout/radial1"/>
+    <dgm:cxn modelId="{8BA0E901-0274-45A6-AE02-2D972CB3EEAF}" type="presOf" srcId="{3C536DCD-C87D-43BF-A80D-9DA3FC54A401}" destId="{0B819EBE-C208-4B0E-A406-25DFA1BD00DD}" srcOrd="0" destOrd="0" presId="urn:microsoft.com/office/officeart/2005/8/layout/radial1"/>
+    <dgm:cxn modelId="{9FF96585-9DE0-4ECE-B013-E7006C20E561}" type="presOf" srcId="{160FCABD-B117-4E2E-B6A1-F4188F637587}" destId="{93ED3874-B134-43CA-B81E-1C24D5DCED4F}" srcOrd="0" destOrd="0" presId="urn:microsoft.com/office/officeart/2005/8/layout/radial1"/>
+    <dgm:cxn modelId="{CAE7BF02-1B6D-4066-A322-EA9909217CD0}" type="presOf" srcId="{BB546446-7143-407D-B452-AB73D8705040}" destId="{0FB8CFFA-FD3E-475D-BA72-2FA2D9859CAF}" srcOrd="0" destOrd="0" presId="urn:microsoft.com/office/officeart/2005/8/layout/radial1"/>
     <dgm:cxn modelId="{C9A71ED9-2AF7-4147-B4BE-9495B2B78F2C}" srcId="{8BB4D92D-77EB-41B8-9A1D-467C91F8AB5F}" destId="{842584D1-0D13-4BFB-A6B9-1D25FB474348}" srcOrd="1" destOrd="0" parTransId="{160FCABD-B117-4E2E-B6A1-F4188F637587}" sibTransId="{82ADC3A6-10CA-4BA4-A511-622D6DCB1865}"/>
-    <dgm:cxn modelId="{B3312DC7-D5F6-4063-8D4A-3E9D6F7E26E7}" type="presOf" srcId="{11A9E281-D3DB-43D7-900D-A8D6122AAFDD}" destId="{807332AB-3F70-4327-A128-2559440E2296}" srcOrd="0" destOrd="0" presId="urn:microsoft.com/office/officeart/2005/8/layout/radial1"/>
-    <dgm:cxn modelId="{7D190917-ECC5-4EC9-B7D7-4159578EB0FC}" type="presOf" srcId="{160FCABD-B117-4E2E-B6A1-F4188F637587}" destId="{4AFACC51-8FBC-4AF1-86FE-ED6555E08303}" srcOrd="1" destOrd="0" presId="urn:microsoft.com/office/officeart/2005/8/layout/radial1"/>
-    <dgm:cxn modelId="{8BA0E901-0274-45A6-AE02-2D972CB3EEAF}" type="presOf" srcId="{3C536DCD-C87D-43BF-A80D-9DA3FC54A401}" destId="{0B819EBE-C208-4B0E-A406-25DFA1BD00DD}" srcOrd="0" destOrd="0" presId="urn:microsoft.com/office/officeart/2005/8/layout/radial1"/>
     <dgm:cxn modelId="{0E4D4359-15FA-45A8-8AD1-08FCA11234F3}" type="presOf" srcId="{8BB4D92D-77EB-41B8-9A1D-467C91F8AB5F}" destId="{0F1ED43E-DF01-4866-9D0E-B4DDD3136FDB}" srcOrd="0" destOrd="0" presId="urn:microsoft.com/office/officeart/2005/8/layout/radial1"/>
     <dgm:cxn modelId="{3BA760E2-499F-4516-BD3E-A250D8D32101}" type="presOf" srcId="{11A9E281-D3DB-43D7-900D-A8D6122AAFDD}" destId="{6376CDF6-7294-44B6-BB04-37EC9B8C18A1}" srcOrd="1" destOrd="0" presId="urn:microsoft.com/office/officeart/2005/8/layout/radial1"/>
-    <dgm:cxn modelId="{9FF96585-9DE0-4ECE-B013-E7006C20E561}" type="presOf" srcId="{160FCABD-B117-4E2E-B6A1-F4188F637587}" destId="{93ED3874-B134-43CA-B81E-1C24D5DCED4F}" srcOrd="0" destOrd="0" presId="urn:microsoft.com/office/officeart/2005/8/layout/radial1"/>
-    <dgm:cxn modelId="{1ECDE5A6-5246-4241-8FA2-2BAA0B1C0F3F}" type="presOf" srcId="{B3D039FD-0DC9-4851-8325-848F223CD666}" destId="{54687605-0432-414B-AB18-D074D62FA184}" srcOrd="1" destOrd="0" presId="urn:microsoft.com/office/officeart/2005/8/layout/radial1"/>
+    <dgm:cxn modelId="{3F6A682E-2E70-46D0-B381-F49162FFEDF5}" srcId="{8BB4D92D-77EB-41B8-9A1D-467C91F8AB5F}" destId="{3D634177-F3C7-43CE-933F-B9239A98EBEB}" srcOrd="2" destOrd="0" parTransId="{C39F5013-DD42-4830-B80F-4D0466B759A1}" sibTransId="{52F61647-BAAB-4FAF-B6D4-2C850B89C172}"/>
+    <dgm:cxn modelId="{03B2B0DD-D43A-4707-A1DD-FF7E2FE92A01}" type="presOf" srcId="{C39F5013-DD42-4830-B80F-4D0466B759A1}" destId="{AA1EC585-55EF-46F6-A090-B69AD012B4A5}" srcOrd="0" destOrd="0" presId="urn:microsoft.com/office/officeart/2005/8/layout/radial1"/>
+    <dgm:cxn modelId="{3F9D3FB0-02D5-43D2-A71C-01D337FF266F}" type="presOf" srcId="{5D4C952F-32AF-424C-A5AB-4D50DD043650}" destId="{D08E8931-8FC3-413E-953F-8CAE36FCBDF4}" srcOrd="0" destOrd="0" presId="urn:microsoft.com/office/officeart/2005/8/layout/radial1"/>
+    <dgm:cxn modelId="{5E4349D0-C6C2-42DD-8267-F07B303652ED}" srcId="{8BB4D92D-77EB-41B8-9A1D-467C91F8AB5F}" destId="{5D4C952F-32AF-424C-A5AB-4D50DD043650}" srcOrd="5" destOrd="0" parTransId="{B3D039FD-0DC9-4851-8325-848F223CD666}" sibTransId="{AA1E8384-F6CA-46D0-9B57-39F61420DE4D}"/>
     <dgm:cxn modelId="{56CC91DD-94E0-4815-96FF-E1329532DF0D}" type="presOf" srcId="{B3D039FD-0DC9-4851-8325-848F223CD666}" destId="{910392C8-1EA0-4A5C-B241-494125CB279B}" srcOrd="0" destOrd="0" presId="urn:microsoft.com/office/officeart/2005/8/layout/radial1"/>
-    <dgm:cxn modelId="{3F9D3FB0-02D5-43D2-A71C-01D337FF266F}" type="presOf" srcId="{5D4C952F-32AF-424C-A5AB-4D50DD043650}" destId="{D08E8931-8FC3-413E-953F-8CAE36FCBDF4}" srcOrd="0" destOrd="0" presId="urn:microsoft.com/office/officeart/2005/8/layout/radial1"/>
+    <dgm:cxn modelId="{4DEAA097-D9BD-467D-A0A7-E1E68B38A658}" type="presOf" srcId="{3D634177-F3C7-43CE-933F-B9239A98EBEB}" destId="{2FFF3ED8-8833-417D-B6CF-D2F8FC27971D}" srcOrd="0" destOrd="0" presId="urn:microsoft.com/office/officeart/2005/8/layout/radial1"/>
     <dgm:cxn modelId="{7ADE02BA-C659-4AD0-AFE3-801D4945B41F}" srcId="{BB546446-7143-407D-B452-AB73D8705040}" destId="{8BB4D92D-77EB-41B8-9A1D-467C91F8AB5F}" srcOrd="0" destOrd="0" parTransId="{F861E020-B495-4D3A-835C-6890BCBE1BDB}" sibTransId="{ECB36B36-235F-4EE3-8B50-B79F678B6737}"/>
     <dgm:cxn modelId="{3AEB9D69-451A-446E-82F6-28A29B7BB9A5}" type="presOf" srcId="{578E506F-FEB6-4CE1-8A01-DCD86125B55E}" destId="{FC13ED8D-2442-4505-A98B-8FFE2B820727}" srcOrd="1" destOrd="0" presId="urn:microsoft.com/office/officeart/2005/8/layout/radial1"/>
-    <dgm:cxn modelId="{4190BFB1-81C8-40C6-A377-E79AE76FD2CB}" srcId="{8BB4D92D-77EB-41B8-9A1D-467C91F8AB5F}" destId="{4FEF1CFF-6CB9-4B73-9CF1-144C670ED57E}" srcOrd="3" destOrd="0" parTransId="{11A9E281-D3DB-43D7-900D-A8D6122AAFDD}" sibTransId="{A13245B8-BDD2-49BA-A7AA-293843F6B2AB}"/>
-    <dgm:cxn modelId="{5E4349D0-C6C2-42DD-8267-F07B303652ED}" srcId="{8BB4D92D-77EB-41B8-9A1D-467C91F8AB5F}" destId="{5D4C952F-32AF-424C-A5AB-4D50DD043650}" srcOrd="5" destOrd="0" parTransId="{B3D039FD-0DC9-4851-8325-848F223CD666}" sibTransId="{AA1E8384-F6CA-46D0-9B57-39F61420DE4D}"/>
-    <dgm:cxn modelId="{CAE7BF02-1B6D-4066-A322-EA9909217CD0}" type="presOf" srcId="{BB546446-7143-407D-B452-AB73D8705040}" destId="{0FB8CFFA-FD3E-475D-BA72-2FA2D9859CAF}" srcOrd="0" destOrd="0" presId="urn:microsoft.com/office/officeart/2005/8/layout/radial1"/>
-    <dgm:cxn modelId="{179AABEC-12CF-4E89-B786-B81C94069BE5}" type="presOf" srcId="{4C14FE05-D953-47B7-BF3D-1D4B5BF8AF92}" destId="{CBE0ED02-D331-4D0E-A110-A1A4E0EC0657}" srcOrd="0" destOrd="0" presId="urn:microsoft.com/office/officeart/2005/8/layout/radial1"/>
-    <dgm:cxn modelId="{3F6A682E-2E70-46D0-B381-F49162FFEDF5}" srcId="{8BB4D92D-77EB-41B8-9A1D-467C91F8AB5F}" destId="{3D634177-F3C7-43CE-933F-B9239A98EBEB}" srcOrd="2" destOrd="0" parTransId="{C39F5013-DD42-4830-B80F-4D0466B759A1}" sibTransId="{52F61647-BAAB-4FAF-B6D4-2C850B89C172}"/>
-    <dgm:cxn modelId="{1A6039A1-5B8B-4827-99C3-E44A46219E75}" srcId="{8BB4D92D-77EB-41B8-9A1D-467C91F8AB5F}" destId="{3C536DCD-C87D-43BF-A80D-9DA3FC54A401}" srcOrd="0" destOrd="0" parTransId="{578E506F-FEB6-4CE1-8A01-DCD86125B55E}" sibTransId="{09065244-90FA-4080-9693-249CEBDEDE8F}"/>
-    <dgm:cxn modelId="{3F05D0F9-6AD5-45B5-80FA-AC87F0AD3A94}" srcId="{8BB4D92D-77EB-41B8-9A1D-467C91F8AB5F}" destId="{EAEC1777-76DA-4D2D-BB25-EDC75B22996B}" srcOrd="4" destOrd="0" parTransId="{4C14FE05-D953-47B7-BF3D-1D4B5BF8AF92}" sibTransId="{82BBAF60-53CE-41EF-BBF5-140623E1B315}"/>
+    <dgm:cxn modelId="{848619A0-BA02-4315-BAA1-7E01D6F1ED9E}" type="presOf" srcId="{EAEC1777-76DA-4D2D-BB25-EDC75B22996B}" destId="{B4DE3C5E-4191-4CAA-9050-9E281A818E32}" srcOrd="0" destOrd="0" presId="urn:microsoft.com/office/officeart/2005/8/layout/radial1"/>
+    <dgm:cxn modelId="{7D190917-ECC5-4EC9-B7D7-4159578EB0FC}" type="presOf" srcId="{160FCABD-B117-4E2E-B6A1-F4188F637587}" destId="{4AFACC51-8FBC-4AF1-86FE-ED6555E08303}" srcOrd="1" destOrd="0" presId="urn:microsoft.com/office/officeart/2005/8/layout/radial1"/>
     <dgm:cxn modelId="{F1331C46-FB49-451C-B3D4-ADA6CF1F26B7}" type="presOf" srcId="{4C14FE05-D953-47B7-BF3D-1D4B5BF8AF92}" destId="{B6087793-9611-417B-B652-827AA4794909}" srcOrd="1" destOrd="0" presId="urn:microsoft.com/office/officeart/2005/8/layout/radial1"/>
-    <dgm:cxn modelId="{0B3C9999-F810-4E9C-A306-D9DFB13673A7}" type="presOf" srcId="{578E506F-FEB6-4CE1-8A01-DCD86125B55E}" destId="{15AE3DE4-FCA6-4CE2-A11C-F869C4F4F718}" srcOrd="0" destOrd="0" presId="urn:microsoft.com/office/officeart/2005/8/layout/radial1"/>
-    <dgm:cxn modelId="{848619A0-BA02-4315-BAA1-7E01D6F1ED9E}" type="presOf" srcId="{EAEC1777-76DA-4D2D-BB25-EDC75B22996B}" destId="{B4DE3C5E-4191-4CAA-9050-9E281A818E32}" srcOrd="0" destOrd="0" presId="urn:microsoft.com/office/officeart/2005/8/layout/radial1"/>
-    <dgm:cxn modelId="{03B2B0DD-D43A-4707-A1DD-FF7E2FE92A01}" type="presOf" srcId="{C39F5013-DD42-4830-B80F-4D0466B759A1}" destId="{AA1EC585-55EF-46F6-A090-B69AD012B4A5}" srcOrd="0" destOrd="0" presId="urn:microsoft.com/office/officeart/2005/8/layout/radial1"/>
+    <dgm:cxn modelId="{3DEBEE93-A188-4F4E-B7B7-456C80A143B8}" type="presOf" srcId="{C39F5013-DD42-4830-B80F-4D0466B759A1}" destId="{0195A749-DC86-4353-8FAC-983E1ABF299A}" srcOrd="1" destOrd="0" presId="urn:microsoft.com/office/officeart/2005/8/layout/radial1"/>
     <dgm:cxn modelId="{B9B88AF1-8D00-42F7-BC81-FF9F2D6BA383}" type="presParOf" srcId="{0FB8CFFA-FD3E-475D-BA72-2FA2D9859CAF}" destId="{0F1ED43E-DF01-4866-9D0E-B4DDD3136FDB}" srcOrd="0" destOrd="0" presId="urn:microsoft.com/office/officeart/2005/8/layout/radial1"/>
     <dgm:cxn modelId="{356C3204-9E1E-4925-8CC7-3EA40C1D1622}" type="presParOf" srcId="{0FB8CFFA-FD3E-475D-BA72-2FA2D9859CAF}" destId="{15AE3DE4-FCA6-4CE2-A11C-F869C4F4F718}" srcOrd="1" destOrd="0" presId="urn:microsoft.com/office/officeart/2005/8/layout/radial1"/>
     <dgm:cxn modelId="{CCB34C3F-5D71-4E93-8237-CCA0A419A867}" type="presParOf" srcId="{15AE3DE4-FCA6-4CE2-A11C-F869C4F4F718}" destId="{FC13ED8D-2442-4505-A98B-8FFE2B820727}" srcOrd="0" destOrd="0" presId="urn:microsoft.com/office/officeart/2005/8/layout/radial1"/>
@@ -7471,6 +7577,184 @@
           <a:p>
             <a:r>
               <a:rPr lang="en-ZA" dirty="0" smtClean="0"/>
+              <a:t>Deployment Diagram </a:t>
+            </a:r>
+            <a:endParaRPr lang="en-ZA" dirty="0"/>
+          </a:p>
+        </p:txBody>
+      </p:sp>
+      <p:sp>
+        <p:nvSpPr>
+          <p:cNvPr id="3" name="Content Placeholder 2"/>
+          <p:cNvSpPr>
+            <a:spLocks noGrp="1"/>
+          </p:cNvSpPr>
+          <p:nvPr>
+            <p:ph idx="1"/>
+          </p:nvPr>
+        </p:nvSpPr>
+        <p:spPr/>
+        <p:txBody>
+          <a:bodyPr/>
+          <a:lstStyle/>
+          <a:p>
+            <a:endParaRPr lang="en-ZA"/>
+          </a:p>
+        </p:txBody>
+      </p:sp>
+      <p:sp>
+        <p:nvSpPr>
+          <p:cNvPr id="4" name="Rectangle 3"/>
+          <p:cNvSpPr/>
+          <p:nvPr/>
+        </p:nvSpPr>
+        <p:spPr>
+          <a:xfrm>
+            <a:off x="5220072" y="5877272"/>
+            <a:ext cx="3816424" cy="769441"/>
+          </a:xfrm>
+          <a:prstGeom prst="rect">
+            <a:avLst/>
+          </a:prstGeom>
+          <a:noFill/>
+        </p:spPr>
+        <p:txBody>
+          <a:bodyPr wrap="square" lIns="91440" tIns="45720" rIns="91440" bIns="45720">
+            <a:spAutoFit/>
+          </a:bodyPr>
+          <a:lstStyle/>
+          <a:p>
+            <a:r>
+              <a:rPr lang="en-US" sz="4400" b="1" cap="none" spc="0" dirty="0" smtClean="0">
+                <a:ln w="17780" cmpd="sng">
+                  <a:solidFill>
+                    <a:srgbClr val="FFFFFF"/>
+                  </a:solidFill>
+                  <a:prstDash val="solid"/>
+                  <a:miter lim="800000"/>
+                </a:ln>
+                <a:solidFill>
+                  <a:schemeClr val="accent2"/>
+                </a:solidFill>
+                <a:effectLst>
+                  <a:outerShdw blurRad="50800" algn="tl" rotWithShape="0">
+                    <a:srgbClr val="000000"/>
+                  </a:outerShdw>
+                </a:effectLst>
+                <a:latin typeface="Algerian" panose="04020705040A02060702" pitchFamily="82" charset="0"/>
+              </a:rPr>
+              <a:t>ALPHA</a:t>
+            </a:r>
+            <a:r>
+              <a:rPr lang="en-US" sz="4400" b="1" cap="none" spc="0" dirty="0" smtClean="0">
+                <a:ln w="17780" cmpd="sng">
+                  <a:solidFill>
+                    <a:srgbClr val="FFFFFF"/>
+                  </a:solidFill>
+                  <a:prstDash val="solid"/>
+                  <a:miter lim="800000"/>
+                </a:ln>
+                <a:solidFill>
+                  <a:schemeClr val="tx2"/>
+                </a:solidFill>
+                <a:effectLst>
+                  <a:outerShdw blurRad="50800" algn="tl" rotWithShape="0">
+                    <a:srgbClr val="000000"/>
+                  </a:outerShdw>
+                </a:effectLst>
+                <a:latin typeface="Algerian" panose="04020705040A02060702" pitchFamily="82" charset="0"/>
+              </a:rPr>
+              <a:t>-</a:t>
+            </a:r>
+            <a:r>
+              <a:rPr lang="en-US" sz="4400" b="1" cap="none" spc="0" dirty="0" smtClean="0">
+                <a:ln w="17780" cmpd="sng">
+                  <a:solidFill>
+                    <a:srgbClr val="FFFFFF"/>
+                  </a:solidFill>
+                  <a:prstDash val="solid"/>
+                  <a:miter lim="800000"/>
+                </a:ln>
+                <a:solidFill>
+                  <a:schemeClr val="accent2"/>
+                </a:solidFill>
+                <a:effectLst>
+                  <a:outerShdw blurRad="50800" algn="tl" rotWithShape="0">
+                    <a:srgbClr val="000000"/>
+                  </a:outerShdw>
+                </a:effectLst>
+                <a:latin typeface="Algerian" panose="04020705040A02060702" pitchFamily="82" charset="0"/>
+              </a:rPr>
+              <a:t>TECH</a:t>
+            </a:r>
+            <a:endParaRPr lang="en-US" sz="4400" b="1" cap="none" spc="0" dirty="0">
+              <a:ln w="17780" cmpd="sng">
+                <a:solidFill>
+                  <a:srgbClr val="FFFFFF"/>
+                </a:solidFill>
+                <a:prstDash val="solid"/>
+                <a:miter lim="800000"/>
+              </a:ln>
+              <a:solidFill>
+                <a:schemeClr val="accent2"/>
+              </a:solidFill>
+              <a:effectLst>
+                <a:outerShdw blurRad="50800" algn="tl" rotWithShape="0">
+                  <a:srgbClr val="000000"/>
+                </a:outerShdw>
+              </a:effectLst>
+              <a:latin typeface="Algerian" panose="04020705040A02060702" pitchFamily="82" charset="0"/>
+            </a:endParaRPr>
+          </a:p>
+        </p:txBody>
+      </p:sp>
+    </p:spTree>
+    <p:extLst>
+      <p:ext uri="{BB962C8B-B14F-4D97-AF65-F5344CB8AC3E}">
+        <p14:creationId xmlns:p14="http://schemas.microsoft.com/office/powerpoint/2010/main" val="3190773675"/>
+      </p:ext>
+    </p:extLst>
+  </p:cSld>
+  <p:clrMapOvr>
+    <a:masterClrMapping/>
+  </p:clrMapOvr>
+</p:sld>
+</file>
+
+<file path=ppt/slides/slide11.xml><?xml version="1.0" encoding="utf-8"?>
+<p:sld xmlns:a="http://schemas.openxmlformats.org/drawingml/2006/main" xmlns:r="http://schemas.openxmlformats.org/officeDocument/2006/relationships" xmlns:p="http://schemas.openxmlformats.org/presentationml/2006/main">
+  <p:cSld>
+    <p:spTree>
+      <p:nvGrpSpPr>
+        <p:cNvPr id="1" name=""/>
+        <p:cNvGrpSpPr/>
+        <p:nvPr/>
+      </p:nvGrpSpPr>
+      <p:grpSpPr>
+        <a:xfrm>
+          <a:off x="0" y="0"/>
+          <a:ext cx="0" cy="0"/>
+          <a:chOff x="0" y="0"/>
+          <a:chExt cx="0" cy="0"/>
+        </a:xfrm>
+      </p:grpSpPr>
+      <p:sp>
+        <p:nvSpPr>
+          <p:cNvPr id="2" name="Title 1"/>
+          <p:cNvSpPr>
+            <a:spLocks noGrp="1"/>
+          </p:cNvSpPr>
+          <p:nvPr>
+            <p:ph type="title"/>
+          </p:nvPr>
+        </p:nvSpPr>
+        <p:spPr/>
+        <p:txBody>
+          <a:bodyPr/>
+          <a:lstStyle/>
+          <a:p>
+            <a:r>
+              <a:rPr lang="en-ZA" dirty="0" smtClean="0"/>
               <a:t>Package Diagram</a:t>
             </a:r>
             <a:endParaRPr lang="en-ZA" dirty="0"/>
@@ -7639,7 +7923,7 @@
 </p:sld>
 </file>
 
-<file path=ppt/slides/slide11.xml><?xml version="1.0" encoding="utf-8"?>
+<file path=ppt/slides/slide12.xml><?xml version="1.0" encoding="utf-8"?>
 <p:sld xmlns:a="http://schemas.openxmlformats.org/drawingml/2006/main" xmlns:r="http://schemas.openxmlformats.org/officeDocument/2006/relationships" xmlns:p="http://schemas.openxmlformats.org/presentationml/2006/main">
   <p:cSld>
     <p:spTree>
@@ -7742,11 +8026,6 @@
               </a:rPr>
               <a:t>. [Accessed 10 March 2018].</a:t>
             </a:r>
-            <a:endParaRPr lang="en-ZA" sz="2000" dirty="0">
-              <a:solidFill>
-                <a:schemeClr val="tx1"/>
-              </a:solidFill>
-            </a:endParaRPr>
           </a:p>
         </p:txBody>
       </p:sp>
@@ -8678,8 +8957,8 @@
         </p:nvSpPr>
         <p:spPr>
           <a:xfrm>
-            <a:off x="323528" y="188640"/>
-            <a:ext cx="8229600" cy="1123528"/>
+            <a:off x="467544" y="188640"/>
+            <a:ext cx="8229600" cy="907504"/>
           </a:xfrm>
         </p:spPr>
         <p:txBody>
@@ -8688,179 +8967,8 @@
           <a:p>
             <a:r>
               <a:rPr lang="en-ZA" dirty="0" smtClean="0"/>
-              <a:t>Requirements</a:t>
-            </a:r>
-            <a:endParaRPr lang="en-ZA" dirty="0"/>
-          </a:p>
-        </p:txBody>
-      </p:sp>
-      <p:sp>
-        <p:nvSpPr>
-          <p:cNvPr id="3" name="Content Placeholder 2"/>
-          <p:cNvSpPr>
-            <a:spLocks noGrp="1"/>
-          </p:cNvSpPr>
-          <p:nvPr>
-            <p:ph idx="1"/>
-          </p:nvPr>
-        </p:nvSpPr>
-        <p:spPr/>
-        <p:txBody>
-          <a:bodyPr/>
-          <a:lstStyle/>
-          <a:p>
-            <a:r>
-              <a:rPr lang="en-US" dirty="0">
-                <a:solidFill>
-                  <a:schemeClr val="tx1"/>
-                </a:solidFill>
-              </a:rPr>
-              <a:t> </a:t>
-            </a:r>
-            <a:r>
-              <a:rPr lang="en-US" dirty="0" smtClean="0">
-                <a:solidFill>
-                  <a:schemeClr val="tx1"/>
-                </a:solidFill>
-              </a:rPr>
-              <a:t>Our application is to be used on </a:t>
-            </a:r>
-            <a:r>
-              <a:rPr lang="en-US" dirty="0">
-                <a:solidFill>
-                  <a:schemeClr val="tx1"/>
-                </a:solidFill>
-              </a:rPr>
-              <a:t>mobile </a:t>
-            </a:r>
-            <a:r>
-              <a:rPr lang="en-US" dirty="0" smtClean="0">
-                <a:solidFill>
-                  <a:schemeClr val="tx1"/>
-                </a:solidFill>
-              </a:rPr>
-              <a:t>devices</a:t>
-            </a:r>
-          </a:p>
-          <a:p>
-            <a:pPr marL="0" indent="0">
-              <a:buNone/>
-            </a:pPr>
-            <a:endParaRPr lang="en-US" dirty="0">
-              <a:solidFill>
-                <a:schemeClr val="tx1"/>
-              </a:solidFill>
-            </a:endParaRPr>
-          </a:p>
-          <a:p>
-            <a:r>
-              <a:rPr lang="en-US" dirty="0">
-                <a:solidFill>
-                  <a:schemeClr val="tx1"/>
-                </a:solidFill>
-              </a:rPr>
-              <a:t> </a:t>
-            </a:r>
-            <a:r>
-              <a:rPr lang="en-US" dirty="0" smtClean="0">
-                <a:solidFill>
-                  <a:schemeClr val="tx1"/>
-                </a:solidFill>
-              </a:rPr>
-              <a:t>System allows digital information exchange.</a:t>
-            </a:r>
-          </a:p>
-          <a:p>
-            <a:pPr marL="0" indent="0">
-              <a:buNone/>
-            </a:pPr>
-            <a:endParaRPr lang="en-US" dirty="0">
-              <a:solidFill>
-                <a:schemeClr val="tx1"/>
-              </a:solidFill>
-            </a:endParaRPr>
-          </a:p>
-          <a:p>
-            <a:r>
-              <a:rPr lang="en-US" dirty="0" smtClean="0">
-                <a:solidFill>
-                  <a:schemeClr val="tx1"/>
-                </a:solidFill>
-              </a:rPr>
-              <a:t>Our system allows effective updates of </a:t>
-            </a:r>
-            <a:r>
-              <a:rPr lang="en-US" dirty="0">
-                <a:solidFill>
-                  <a:schemeClr val="tx1"/>
-                </a:solidFill>
-              </a:rPr>
-              <a:t>information on the business </a:t>
-            </a:r>
-            <a:r>
-              <a:rPr lang="en-US" dirty="0" smtClean="0">
-                <a:solidFill>
-                  <a:schemeClr val="tx1"/>
-                </a:solidFill>
-              </a:rPr>
-              <a:t>cards</a:t>
-            </a:r>
-          </a:p>
-          <a:p>
-            <a:pPr marL="0" indent="0">
-              <a:buNone/>
-            </a:pPr>
-            <a:endParaRPr lang="en-US" dirty="0">
-              <a:solidFill>
-                <a:schemeClr val="tx1"/>
-              </a:solidFill>
-            </a:endParaRPr>
-          </a:p>
-          <a:p>
-            <a:r>
-              <a:rPr lang="en-US" dirty="0">
-                <a:solidFill>
-                  <a:schemeClr val="tx1"/>
-                </a:solidFill>
-              </a:rPr>
-              <a:t> It must be </a:t>
-            </a:r>
-            <a:r>
-              <a:rPr lang="en-US" dirty="0" smtClean="0">
-                <a:solidFill>
-                  <a:schemeClr val="tx1"/>
-                </a:solidFill>
-              </a:rPr>
-              <a:t>secure</a:t>
-            </a:r>
-          </a:p>
-          <a:p>
-            <a:pPr marL="0" indent="0">
-              <a:buNone/>
-            </a:pPr>
-            <a:endParaRPr lang="en-US" dirty="0">
-              <a:solidFill>
-                <a:schemeClr val="tx1"/>
-              </a:solidFill>
-            </a:endParaRPr>
-          </a:p>
-          <a:p>
-            <a:r>
-              <a:rPr lang="en-US" dirty="0">
-                <a:solidFill>
-                  <a:schemeClr val="tx1"/>
-                </a:solidFill>
-              </a:rPr>
-              <a:t> It must be user friendly</a:t>
-            </a:r>
-          </a:p>
-          <a:p>
-            <a:pPr marL="0" indent="0">
-              <a:buNone/>
-            </a:pPr>
-            <a:endParaRPr lang="en-US" dirty="0"/>
-          </a:p>
-          <a:p>
+              <a:t>Use case Diagram</a:t>
+            </a:r>
             <a:endParaRPr lang="en-ZA" dirty="0"/>
           </a:p>
         </p:txBody>
@@ -8873,8 +8981,8 @@
         </p:nvSpPr>
         <p:spPr>
           <a:xfrm>
-            <a:off x="5220072" y="5877272"/>
-            <a:ext cx="3816424" cy="769441"/>
+            <a:off x="5508104" y="6005389"/>
+            <a:ext cx="3600400" cy="769441"/>
           </a:xfrm>
           <a:prstGeom prst="rect">
             <a:avLst/>
@@ -8971,10 +9079,51 @@
           </a:p>
         </p:txBody>
       </p:sp>
+      <p:pic>
+        <p:nvPicPr>
+          <p:cNvPr id="5" name="Picture 2" descr="C:\Users\PhutiSetoaba\Desktop\School\2018\COS 301\Project\Demo slides\UseCaseForNFCBusinessCard.PNG"/>
+          <p:cNvPicPr>
+            <a:picLocks noChangeAspect="1" noChangeArrowheads="1"/>
+          </p:cNvPicPr>
+          <p:nvPr/>
+        </p:nvPicPr>
+        <p:blipFill>
+          <a:blip r:embed="rId2">
+            <a:extLst>
+              <a:ext uri="{28A0092B-C50C-407E-A947-70E740481C1C}">
+                <a14:useLocalDpi xmlns:a14="http://schemas.microsoft.com/office/drawing/2010/main" val="0"/>
+              </a:ext>
+            </a:extLst>
+          </a:blip>
+          <a:srcRect/>
+          <a:stretch>
+            <a:fillRect/>
+          </a:stretch>
+        </p:blipFill>
+        <p:spPr bwMode="auto">
+          <a:xfrm>
+            <a:off x="1979712" y="1062809"/>
+            <a:ext cx="4824536" cy="4717742"/>
+          </a:xfrm>
+          <a:prstGeom prst="rect">
+            <a:avLst/>
+          </a:prstGeom>
+          <a:noFill/>
+          <a:extLst>
+            <a:ext uri="{909E8E84-426E-40DD-AFC4-6F175D3DCCD1}">
+              <a14:hiddenFill xmlns:a14="http://schemas.microsoft.com/office/drawing/2010/main">
+                <a:solidFill>
+                  <a:srgbClr val="FFFFFF"/>
+                </a:solidFill>
+              </a14:hiddenFill>
+            </a:ext>
+          </a:extLst>
+        </p:spPr>
+      </p:pic>
     </p:spTree>
     <p:extLst>
       <p:ext uri="{BB962C8B-B14F-4D97-AF65-F5344CB8AC3E}">
-        <p14:creationId xmlns:p14="http://schemas.microsoft.com/office/powerpoint/2010/main" val="381559720"/>
+        <p14:creationId xmlns:p14="http://schemas.microsoft.com/office/powerpoint/2010/main" val="2455996178"/>
       </p:ext>
     </p:extLst>
   </p:cSld>
@@ -9011,14 +9160,19 @@
             <p:ph type="title"/>
           </p:nvPr>
         </p:nvSpPr>
-        <p:spPr/>
+        <p:spPr>
+          <a:xfrm>
+            <a:off x="323528" y="188640"/>
+            <a:ext cx="8229600" cy="1123528"/>
+          </a:xfrm>
+        </p:spPr>
         <p:txBody>
           <a:bodyPr/>
           <a:lstStyle/>
           <a:p>
             <a:r>
               <a:rPr lang="en-ZA" dirty="0" smtClean="0"/>
-              <a:t>Domain Model</a:t>
+              <a:t>Requirements</a:t>
             </a:r>
             <a:endParaRPr lang="en-ZA" dirty="0"/>
           </a:p>
@@ -9039,7 +9193,159 @@
           <a:bodyPr/>
           <a:lstStyle/>
           <a:p>
-            <a:endParaRPr lang="en-ZA"/>
+            <a:r>
+              <a:rPr lang="en-US" dirty="0">
+                <a:solidFill>
+                  <a:schemeClr val="tx1"/>
+                </a:solidFill>
+              </a:rPr>
+              <a:t> </a:t>
+            </a:r>
+            <a:r>
+              <a:rPr lang="en-US" dirty="0" smtClean="0">
+                <a:solidFill>
+                  <a:schemeClr val="tx1"/>
+                </a:solidFill>
+              </a:rPr>
+              <a:t>Our application is to be used on </a:t>
+            </a:r>
+            <a:r>
+              <a:rPr lang="en-US" dirty="0">
+                <a:solidFill>
+                  <a:schemeClr val="tx1"/>
+                </a:solidFill>
+              </a:rPr>
+              <a:t>mobile </a:t>
+            </a:r>
+            <a:r>
+              <a:rPr lang="en-US" dirty="0" smtClean="0">
+                <a:solidFill>
+                  <a:schemeClr val="tx1"/>
+                </a:solidFill>
+              </a:rPr>
+              <a:t>devices</a:t>
+            </a:r>
+          </a:p>
+          <a:p>
+            <a:pPr marL="0" indent="0">
+              <a:buNone/>
+            </a:pPr>
+            <a:endParaRPr lang="en-US" dirty="0">
+              <a:solidFill>
+                <a:schemeClr val="tx1"/>
+              </a:solidFill>
+            </a:endParaRPr>
+          </a:p>
+          <a:p>
+            <a:r>
+              <a:rPr lang="en-US" dirty="0">
+                <a:solidFill>
+                  <a:schemeClr val="tx1"/>
+                </a:solidFill>
+              </a:rPr>
+              <a:t> </a:t>
+            </a:r>
+            <a:r>
+              <a:rPr lang="en-US" dirty="0" smtClean="0">
+                <a:solidFill>
+                  <a:schemeClr val="tx1"/>
+                </a:solidFill>
+              </a:rPr>
+              <a:t>System allows digital information exchange.</a:t>
+            </a:r>
+          </a:p>
+          <a:p>
+            <a:pPr marL="0" indent="0">
+              <a:buNone/>
+            </a:pPr>
+            <a:endParaRPr lang="en-US" dirty="0">
+              <a:solidFill>
+                <a:schemeClr val="tx1"/>
+              </a:solidFill>
+            </a:endParaRPr>
+          </a:p>
+          <a:p>
+            <a:r>
+              <a:rPr lang="en-US" dirty="0" smtClean="0">
+                <a:solidFill>
+                  <a:schemeClr val="tx1"/>
+                </a:solidFill>
+              </a:rPr>
+              <a:t>Our system allows effective updates of </a:t>
+            </a:r>
+            <a:r>
+              <a:rPr lang="en-US" dirty="0">
+                <a:solidFill>
+                  <a:schemeClr val="tx1"/>
+                </a:solidFill>
+              </a:rPr>
+              <a:t>information on the business </a:t>
+            </a:r>
+            <a:r>
+              <a:rPr lang="en-US" dirty="0" smtClean="0">
+                <a:solidFill>
+                  <a:schemeClr val="tx1"/>
+                </a:solidFill>
+              </a:rPr>
+              <a:t>cards</a:t>
+            </a:r>
+          </a:p>
+          <a:p>
+            <a:pPr marL="0" indent="0">
+              <a:buNone/>
+            </a:pPr>
+            <a:endParaRPr lang="en-US" dirty="0">
+              <a:solidFill>
+                <a:schemeClr val="tx1"/>
+              </a:solidFill>
+            </a:endParaRPr>
+          </a:p>
+          <a:p>
+            <a:r>
+              <a:rPr lang="en-US" dirty="0">
+                <a:solidFill>
+                  <a:schemeClr val="tx1"/>
+                </a:solidFill>
+              </a:rPr>
+              <a:t> It must be </a:t>
+            </a:r>
+            <a:r>
+              <a:rPr lang="en-US" dirty="0" smtClean="0">
+                <a:solidFill>
+                  <a:schemeClr val="tx1"/>
+                </a:solidFill>
+              </a:rPr>
+              <a:t>secure</a:t>
+            </a:r>
+          </a:p>
+          <a:p>
+            <a:pPr marL="0" indent="0">
+              <a:buNone/>
+            </a:pPr>
+            <a:endParaRPr lang="en-US" dirty="0">
+              <a:solidFill>
+                <a:schemeClr val="tx1"/>
+              </a:solidFill>
+            </a:endParaRPr>
+          </a:p>
+          <a:p>
+            <a:r>
+              <a:rPr lang="en-US" dirty="0">
+                <a:solidFill>
+                  <a:schemeClr val="tx1"/>
+                </a:solidFill>
+              </a:rPr>
+              <a:t> It must be user friendly</a:t>
+            </a:r>
+          </a:p>
+          <a:p>
+            <a:pPr marL="0" indent="0">
+              <a:buNone/>
+            </a:pPr>
+            <a:endParaRPr lang="en-US" dirty="0"/>
+          </a:p>
+          <a:p>
+            <a:endParaRPr lang="en-ZA" dirty="0"/>
           </a:p>
         </p:txBody>
       </p:sp>
@@ -9152,7 +9458,7 @@
     </p:spTree>
     <p:extLst>
       <p:ext uri="{BB962C8B-B14F-4D97-AF65-F5344CB8AC3E}">
-        <p14:creationId xmlns:p14="http://schemas.microsoft.com/office/powerpoint/2010/main" val="1630304609"/>
+        <p14:creationId xmlns:p14="http://schemas.microsoft.com/office/powerpoint/2010/main" val="381559720"/>
       </p:ext>
     </p:extLst>
   </p:cSld>
@@ -9196,28 +9502,9 @@
           <a:p>
             <a:r>
               <a:rPr lang="en-ZA" dirty="0" smtClean="0"/>
-              <a:t>Design outline</a:t>
+              <a:t>Domain Model</a:t>
             </a:r>
             <a:endParaRPr lang="en-ZA" dirty="0"/>
-          </a:p>
-        </p:txBody>
-      </p:sp>
-      <p:sp>
-        <p:nvSpPr>
-          <p:cNvPr id="3" name="Content Placeholder 2"/>
-          <p:cNvSpPr>
-            <a:spLocks noGrp="1"/>
-          </p:cNvSpPr>
-          <p:nvPr>
-            <p:ph idx="1"/>
-          </p:nvPr>
-        </p:nvSpPr>
-        <p:spPr/>
-        <p:txBody>
-          <a:bodyPr/>
-          <a:lstStyle/>
-          <a:p>
-            <a:endParaRPr lang="en-ZA"/>
           </a:p>
         </p:txBody>
       </p:sp>
@@ -9327,10 +9614,51 @@
           </a:p>
         </p:txBody>
       </p:sp>
+      <p:pic>
+        <p:nvPicPr>
+          <p:cNvPr id="1027" name="Picture 3" descr="C:\Users\PhutiSetoaba\Desktop\School\2018\COS 301\Project\Demo slides\DomainModelForNFCBusinessCard.PNG"/>
+          <p:cNvPicPr>
+            <a:picLocks noChangeAspect="1" noChangeArrowheads="1"/>
+          </p:cNvPicPr>
+          <p:nvPr/>
+        </p:nvPicPr>
+        <p:blipFill>
+          <a:blip r:embed="rId2">
+            <a:extLst>
+              <a:ext uri="{28A0092B-C50C-407E-A947-70E740481C1C}">
+                <a14:useLocalDpi xmlns:a14="http://schemas.microsoft.com/office/drawing/2010/main" val="0"/>
+              </a:ext>
+            </a:extLst>
+          </a:blip>
+          <a:srcRect/>
+          <a:stretch>
+            <a:fillRect/>
+          </a:stretch>
+        </p:blipFill>
+        <p:spPr bwMode="auto">
+          <a:xfrm>
+            <a:off x="755576" y="1844824"/>
+            <a:ext cx="7440613" cy="3667125"/>
+          </a:xfrm>
+          <a:prstGeom prst="rect">
+            <a:avLst/>
+          </a:prstGeom>
+          <a:noFill/>
+          <a:extLst>
+            <a:ext uri="{909E8E84-426E-40DD-AFC4-6F175D3DCCD1}">
+              <a14:hiddenFill xmlns:a14="http://schemas.microsoft.com/office/drawing/2010/main">
+                <a:solidFill>
+                  <a:srgbClr val="FFFFFF"/>
+                </a:solidFill>
+              </a14:hiddenFill>
+            </a:ext>
+          </a:extLst>
+        </p:spPr>
+      </p:pic>
     </p:spTree>
     <p:extLst>
       <p:ext uri="{BB962C8B-B14F-4D97-AF65-F5344CB8AC3E}">
-        <p14:creationId xmlns:p14="http://schemas.microsoft.com/office/powerpoint/2010/main" val="390245589"/>
+        <p14:creationId xmlns:p14="http://schemas.microsoft.com/office/powerpoint/2010/main" val="1630304609"/>
       </p:ext>
     </p:extLst>
   </p:cSld>
@@ -9367,20 +9695,14 @@
             <p:ph type="title"/>
           </p:nvPr>
         </p:nvSpPr>
-        <p:spPr>
-          <a:xfrm>
-            <a:off x="467544" y="260648"/>
-            <a:ext cx="8229600" cy="1051520"/>
-          </a:xfrm>
-        </p:spPr>
+        <p:spPr/>
         <p:txBody>
           <a:bodyPr/>
           <a:lstStyle/>
           <a:p>
-            <a:pPr algn="l"/>
             <a:r>
               <a:rPr lang="en-ZA" dirty="0" smtClean="0"/>
-              <a:t>Technologies to be used:</a:t>
+              <a:t>Design outline</a:t>
             </a:r>
             <a:endParaRPr lang="en-ZA" dirty="0"/>
           </a:p>
@@ -9396,129 +9718,12 @@
             <p:ph idx="1"/>
           </p:nvPr>
         </p:nvSpPr>
-        <p:spPr>
-          <a:xfrm>
-            <a:off x="457200" y="1600201"/>
-            <a:ext cx="8229600" cy="3989040"/>
-          </a:xfrm>
-        </p:spPr>
+        <p:spPr/>
         <p:txBody>
           <a:bodyPr/>
           <a:lstStyle/>
           <a:p>
-            <a:r>
-              <a:rPr lang="en-ZA" dirty="0">
-                <a:solidFill>
-                  <a:schemeClr val="tx1"/>
-                </a:solidFill>
-              </a:rPr>
-              <a:t> Android Studios for Mobile development</a:t>
-            </a:r>
-            <a:r>
-              <a:rPr lang="en-ZA" dirty="0" smtClean="0">
-                <a:solidFill>
-                  <a:schemeClr val="tx1"/>
-                </a:solidFill>
-              </a:rPr>
-              <a:t>.</a:t>
-            </a:r>
-          </a:p>
-          <a:p>
-            <a:pPr marL="0" indent="0">
-              <a:buNone/>
-            </a:pPr>
-            <a:endParaRPr lang="en-ZA" dirty="0">
-              <a:solidFill>
-                <a:schemeClr val="tx1"/>
-              </a:solidFill>
-            </a:endParaRPr>
-          </a:p>
-          <a:p>
-            <a:r>
-              <a:rPr lang="en-ZA" dirty="0">
-                <a:solidFill>
-                  <a:schemeClr val="tx1"/>
-                </a:solidFill>
-              </a:rPr>
-              <a:t> NFC chip used for data exchange between phone and business card</a:t>
-            </a:r>
-            <a:r>
-              <a:rPr lang="en-ZA" dirty="0" smtClean="0">
-                <a:solidFill>
-                  <a:schemeClr val="tx1"/>
-                </a:solidFill>
-              </a:rPr>
-              <a:t>.</a:t>
-            </a:r>
-          </a:p>
-          <a:p>
-            <a:pPr marL="0" indent="0">
-              <a:buNone/>
-            </a:pPr>
-            <a:endParaRPr lang="en-ZA" dirty="0">
-              <a:solidFill>
-                <a:schemeClr val="tx1"/>
-              </a:solidFill>
-            </a:endParaRPr>
-          </a:p>
-          <a:p>
-            <a:r>
-              <a:rPr lang="en-ZA" dirty="0">
-                <a:solidFill>
-                  <a:schemeClr val="tx1"/>
-                </a:solidFill>
-              </a:rPr>
-              <a:t> HTML, PHP and CSS for website front-end</a:t>
-            </a:r>
-            <a:r>
-              <a:rPr lang="en-ZA" dirty="0" smtClean="0">
-                <a:solidFill>
-                  <a:schemeClr val="tx1"/>
-                </a:solidFill>
-              </a:rPr>
-              <a:t>.</a:t>
-            </a:r>
-          </a:p>
-          <a:p>
-            <a:pPr marL="0" indent="0">
-              <a:buNone/>
-            </a:pPr>
-            <a:endParaRPr lang="en-ZA" dirty="0">
-              <a:solidFill>
-                <a:schemeClr val="tx1"/>
-              </a:solidFill>
-            </a:endParaRPr>
-          </a:p>
-          <a:p>
-            <a:r>
-              <a:rPr lang="en-ZA" dirty="0">
-                <a:solidFill>
-                  <a:schemeClr val="tx1"/>
-                </a:solidFill>
-              </a:rPr>
-              <a:t> </a:t>
-            </a:r>
-            <a:r>
-              <a:rPr lang="en-ZA" dirty="0" err="1">
-                <a:solidFill>
-                  <a:schemeClr val="tx1"/>
-                </a:solidFill>
-              </a:rPr>
-              <a:t>mySQL</a:t>
-            </a:r>
-            <a:r>
-              <a:rPr lang="en-ZA" dirty="0">
-                <a:solidFill>
-                  <a:schemeClr val="tx1"/>
-                </a:solidFill>
-              </a:rPr>
-              <a:t> Database for storing user information.</a:t>
-            </a:r>
-            <a:endParaRPr lang="en-ZA" dirty="0">
-              <a:solidFill>
-                <a:schemeClr val="tx1"/>
-              </a:solidFill>
-            </a:endParaRPr>
+            <a:endParaRPr lang="en-ZA"/>
           </a:p>
         </p:txBody>
       </p:sp>
@@ -9631,7 +9836,7 @@
     </p:spTree>
     <p:extLst>
       <p:ext uri="{BB962C8B-B14F-4D97-AF65-F5344CB8AC3E}">
-        <p14:creationId xmlns:p14="http://schemas.microsoft.com/office/powerpoint/2010/main" val="13050833"/>
+        <p14:creationId xmlns:p14="http://schemas.microsoft.com/office/powerpoint/2010/main" val="390245589"/>
       </p:ext>
     </p:extLst>
   </p:cSld>
@@ -9668,14 +9873,20 @@
             <p:ph type="title"/>
           </p:nvPr>
         </p:nvSpPr>
-        <p:spPr/>
+        <p:spPr>
+          <a:xfrm>
+            <a:off x="467544" y="260648"/>
+            <a:ext cx="8229600" cy="1051520"/>
+          </a:xfrm>
+        </p:spPr>
         <p:txBody>
           <a:bodyPr/>
           <a:lstStyle/>
           <a:p>
+            <a:pPr algn="l"/>
             <a:r>
               <a:rPr lang="en-ZA" dirty="0" smtClean="0"/>
-              <a:t>Deployment Diagram </a:t>
+              <a:t>Technologies to be used:</a:t>
             </a:r>
             <a:endParaRPr lang="en-ZA" dirty="0"/>
           </a:p>
@@ -9691,12 +9902,124 @@
             <p:ph idx="1"/>
           </p:nvPr>
         </p:nvSpPr>
-        <p:spPr/>
+        <p:spPr>
+          <a:xfrm>
+            <a:off x="457200" y="1600201"/>
+            <a:ext cx="8229600" cy="3989040"/>
+          </a:xfrm>
+        </p:spPr>
         <p:txBody>
           <a:bodyPr/>
           <a:lstStyle/>
           <a:p>
-            <a:endParaRPr lang="en-ZA"/>
+            <a:r>
+              <a:rPr lang="en-ZA" dirty="0">
+                <a:solidFill>
+                  <a:schemeClr val="tx1"/>
+                </a:solidFill>
+              </a:rPr>
+              <a:t> Android Studios for Mobile development</a:t>
+            </a:r>
+            <a:r>
+              <a:rPr lang="en-ZA" dirty="0" smtClean="0">
+                <a:solidFill>
+                  <a:schemeClr val="tx1"/>
+                </a:solidFill>
+              </a:rPr>
+              <a:t>.</a:t>
+            </a:r>
+          </a:p>
+          <a:p>
+            <a:pPr marL="0" indent="0">
+              <a:buNone/>
+            </a:pPr>
+            <a:endParaRPr lang="en-ZA" dirty="0">
+              <a:solidFill>
+                <a:schemeClr val="tx1"/>
+              </a:solidFill>
+            </a:endParaRPr>
+          </a:p>
+          <a:p>
+            <a:r>
+              <a:rPr lang="en-ZA" dirty="0">
+                <a:solidFill>
+                  <a:schemeClr val="tx1"/>
+                </a:solidFill>
+              </a:rPr>
+              <a:t> NFC chip used for data exchange between phone and business card</a:t>
+            </a:r>
+            <a:r>
+              <a:rPr lang="en-ZA" dirty="0" smtClean="0">
+                <a:solidFill>
+                  <a:schemeClr val="tx1"/>
+                </a:solidFill>
+              </a:rPr>
+              <a:t>.</a:t>
+            </a:r>
+          </a:p>
+          <a:p>
+            <a:pPr marL="0" indent="0">
+              <a:buNone/>
+            </a:pPr>
+            <a:endParaRPr lang="en-ZA" dirty="0">
+              <a:solidFill>
+                <a:schemeClr val="tx1"/>
+              </a:solidFill>
+            </a:endParaRPr>
+          </a:p>
+          <a:p>
+            <a:r>
+              <a:rPr lang="en-ZA" dirty="0">
+                <a:solidFill>
+                  <a:schemeClr val="tx1"/>
+                </a:solidFill>
+              </a:rPr>
+              <a:t> HTML, PHP and CSS for website front-end</a:t>
+            </a:r>
+            <a:r>
+              <a:rPr lang="en-ZA" dirty="0" smtClean="0">
+                <a:solidFill>
+                  <a:schemeClr val="tx1"/>
+                </a:solidFill>
+              </a:rPr>
+              <a:t>.</a:t>
+            </a:r>
+          </a:p>
+          <a:p>
+            <a:pPr marL="0" indent="0">
+              <a:buNone/>
+            </a:pPr>
+            <a:endParaRPr lang="en-ZA" dirty="0">
+              <a:solidFill>
+                <a:schemeClr val="tx1"/>
+              </a:solidFill>
+            </a:endParaRPr>
+          </a:p>
+          <a:p>
+            <a:r>
+              <a:rPr lang="en-ZA" dirty="0">
+                <a:solidFill>
+                  <a:schemeClr val="tx1"/>
+                </a:solidFill>
+              </a:rPr>
+              <a:t> </a:t>
+            </a:r>
+            <a:r>
+              <a:rPr lang="en-ZA" dirty="0" err="1">
+                <a:solidFill>
+                  <a:schemeClr val="tx1"/>
+                </a:solidFill>
+              </a:rPr>
+              <a:t>mySQL</a:t>
+            </a:r>
+            <a:r>
+              <a:rPr lang="en-ZA" dirty="0">
+                <a:solidFill>
+                  <a:schemeClr val="tx1"/>
+                </a:solidFill>
+              </a:rPr>
+              <a:t> Database for storing user information.</a:t>
+            </a:r>
           </a:p>
         </p:txBody>
       </p:sp>
@@ -9809,7 +10132,7 @@
     </p:spTree>
     <p:extLst>
       <p:ext uri="{BB962C8B-B14F-4D97-AF65-F5344CB8AC3E}">
-        <p14:creationId xmlns:p14="http://schemas.microsoft.com/office/powerpoint/2010/main" val="3190773675"/>
+        <p14:creationId xmlns:p14="http://schemas.microsoft.com/office/powerpoint/2010/main" val="13050833"/>
       </p:ext>
     </p:extLst>
   </p:cSld>
